--- a/fig/quantization.pptx
+++ b/fig/quantization.pptx
@@ -104,6 +104,11 @@
       </a:defRPr>
     </a:lvl9pPr>
   </p:defaultTextStyle>
+  <p:extLst>
+    <p:ext uri="{EFAFB233-063F-42B5-8137-9DF3F51BA10A}">
+      <p15:sldGuideLst xmlns:p15="http://schemas.microsoft.com/office/powerpoint/2012/main"/>
+    </p:ext>
+  </p:extLst>
 </p:presentation>
 </file>
 
@@ -248,27 +253,27 @@
                 </c:pt>
                 <c:pt idx="6">
                   <c:v>
-4x32
-AlexNet</c:v>
+2xfp32
+ResNet18</c:v>
                 </c:pt>
                 <c:pt idx="7">
                   <c:v>
-2xfp32
-ResNet18</c:v>
+1x4
+AlexNet</c:v>
                 </c:pt>
                 <c:pt idx="8">
                   <c:v>
-2x32
+1x1
 AlexNet</c:v>
                 </c:pt>
                 <c:pt idx="9">
                   <c:v>
-1x4
+4x32
 AlexNet</c:v>
                 </c:pt>
                 <c:pt idx="10">
                   <c:v>
-1x1
+2x32
 AlexNet</c:v>
                 </c:pt>
               </c:strCache>
@@ -299,19 +304,19 @@
                   <c:v>9.2399999999999949</c:v>
                 </c:pt>
                 <c:pt idx="6">
+                  <c:v>10.299999999999997</c:v>
+                </c:pt>
+                <c:pt idx="7">
+                  <c:v>4.2199999999999989</c:v>
+                </c:pt>
+                <c:pt idx="8">
+                  <c:v>13.619999999999997</c:v>
+                </c:pt>
+                <c:pt idx="9">
                   <c:v>9.9999999999980105E-3</c:v>
                 </c:pt>
-                <c:pt idx="7">
-                  <c:v>10.299999999999997</c:v>
-                </c:pt>
-                <c:pt idx="8">
+                <c:pt idx="10">
                   <c:v>-0.28000000000000114</c:v>
-                </c:pt>
-                <c:pt idx="9">
-                  <c:v>4.2199999999999989</c:v>
-                </c:pt>
-                <c:pt idx="10">
-                  <c:v>13.619999999999997</c:v>
                 </c:pt>
               </c:numCache>
             </c:numRef>
@@ -442,27 +447,27 @@
                 </c:pt>
                 <c:pt idx="6">
                   <c:v>
-4x32
-AlexNet</c:v>
+2xfp32
+ResNet18</c:v>
                 </c:pt>
                 <c:pt idx="7">
                   <c:v>
-2xfp32
-ResNet18</c:v>
+1x4
+AlexNet</c:v>
                 </c:pt>
                 <c:pt idx="8">
                   <c:v>
-2x32
+1x1
 AlexNet</c:v>
                 </c:pt>
                 <c:pt idx="9">
                   <c:v>
-1x4
+4x32
 AlexNet</c:v>
                 </c:pt>
                 <c:pt idx="10">
                   <c:v>
-1x1
+2x32
 AlexNet</c:v>
                 </c:pt>
               </c:strCache>
@@ -493,12 +498,12 @@
                   <c:v>6.539999999999992</c:v>
                 </c:pt>
                 <c:pt idx="6">
+                  <c:v>3.2000000000000028</c:v>
+                </c:pt>
+                <c:pt idx="9">
                   <c:v>3.0000000000001137E-2</c:v>
                 </c:pt>
-                <c:pt idx="7">
-                  <c:v>3.2000000000000028</c:v>
-                </c:pt>
-                <c:pt idx="8">
+                <c:pt idx="10">
                   <c:v>0.56999999999999318</c:v>
                 </c:pt>
               </c:numCache>
@@ -1451,7 +1456,7 @@
           <a:p>
             <a:fld id="{9CE38184-9573-4F1B-9952-7BFA6EC347FC}" type="datetimeFigureOut">
               <a:rPr lang="zh-CN" altLang="en-US" smtClean="0"/>
-              <a:t>2017/12/7</a:t>
+              <a:t>2017/12/9</a:t>
             </a:fld>
             <a:endParaRPr lang="zh-CN" altLang="en-US"/>
           </a:p>
@@ -1621,7 +1626,7 @@
           <a:p>
             <a:fld id="{9CE38184-9573-4F1B-9952-7BFA6EC347FC}" type="datetimeFigureOut">
               <a:rPr lang="zh-CN" altLang="en-US" smtClean="0"/>
-              <a:t>2017/12/7</a:t>
+              <a:t>2017/12/9</a:t>
             </a:fld>
             <a:endParaRPr lang="zh-CN" altLang="en-US"/>
           </a:p>
@@ -1801,7 +1806,7 @@
           <a:p>
             <a:fld id="{9CE38184-9573-4F1B-9952-7BFA6EC347FC}" type="datetimeFigureOut">
               <a:rPr lang="zh-CN" altLang="en-US" smtClean="0"/>
-              <a:t>2017/12/7</a:t>
+              <a:t>2017/12/9</a:t>
             </a:fld>
             <a:endParaRPr lang="zh-CN" altLang="en-US"/>
           </a:p>
@@ -1971,7 +1976,7 @@
           <a:p>
             <a:fld id="{9CE38184-9573-4F1B-9952-7BFA6EC347FC}" type="datetimeFigureOut">
               <a:rPr lang="zh-CN" altLang="en-US" smtClean="0"/>
-              <a:t>2017/12/7</a:t>
+              <a:t>2017/12/9</a:t>
             </a:fld>
             <a:endParaRPr lang="zh-CN" altLang="en-US"/>
           </a:p>
@@ -2217,7 +2222,7 @@
           <a:p>
             <a:fld id="{9CE38184-9573-4F1B-9952-7BFA6EC347FC}" type="datetimeFigureOut">
               <a:rPr lang="zh-CN" altLang="en-US" smtClean="0"/>
-              <a:t>2017/12/7</a:t>
+              <a:t>2017/12/9</a:t>
             </a:fld>
             <a:endParaRPr lang="zh-CN" altLang="en-US"/>
           </a:p>
@@ -2449,7 +2454,7 @@
           <a:p>
             <a:fld id="{9CE38184-9573-4F1B-9952-7BFA6EC347FC}" type="datetimeFigureOut">
               <a:rPr lang="zh-CN" altLang="en-US" smtClean="0"/>
-              <a:t>2017/12/7</a:t>
+              <a:t>2017/12/9</a:t>
             </a:fld>
             <a:endParaRPr lang="zh-CN" altLang="en-US"/>
           </a:p>
@@ -2816,7 +2821,7 @@
           <a:p>
             <a:fld id="{9CE38184-9573-4F1B-9952-7BFA6EC347FC}" type="datetimeFigureOut">
               <a:rPr lang="zh-CN" altLang="en-US" smtClean="0"/>
-              <a:t>2017/12/7</a:t>
+              <a:t>2017/12/9</a:t>
             </a:fld>
             <a:endParaRPr lang="zh-CN" altLang="en-US"/>
           </a:p>
@@ -2934,7 +2939,7 @@
           <a:p>
             <a:fld id="{9CE38184-9573-4F1B-9952-7BFA6EC347FC}" type="datetimeFigureOut">
               <a:rPr lang="zh-CN" altLang="en-US" smtClean="0"/>
-              <a:t>2017/12/7</a:t>
+              <a:t>2017/12/9</a:t>
             </a:fld>
             <a:endParaRPr lang="zh-CN" altLang="en-US"/>
           </a:p>
@@ -3029,7 +3034,7 @@
           <a:p>
             <a:fld id="{9CE38184-9573-4F1B-9952-7BFA6EC347FC}" type="datetimeFigureOut">
               <a:rPr lang="zh-CN" altLang="en-US" smtClean="0"/>
-              <a:t>2017/12/7</a:t>
+              <a:t>2017/12/9</a:t>
             </a:fld>
             <a:endParaRPr lang="zh-CN" altLang="en-US"/>
           </a:p>
@@ -3306,7 +3311,7 @@
           <a:p>
             <a:fld id="{9CE38184-9573-4F1B-9952-7BFA6EC347FC}" type="datetimeFigureOut">
               <a:rPr lang="zh-CN" altLang="en-US" smtClean="0"/>
-              <a:t>2017/12/7</a:t>
+              <a:t>2017/12/9</a:t>
             </a:fld>
             <a:endParaRPr lang="zh-CN" altLang="en-US"/>
           </a:p>
@@ -3559,7 +3564,7 @@
           <a:p>
             <a:fld id="{9CE38184-9573-4F1B-9952-7BFA6EC347FC}" type="datetimeFigureOut">
               <a:rPr lang="zh-CN" altLang="en-US" smtClean="0"/>
-              <a:t>2017/12/7</a:t>
+              <a:t>2017/12/9</a:t>
             </a:fld>
             <a:endParaRPr lang="zh-CN" altLang="en-US"/>
           </a:p>
@@ -3772,7 +3777,7 @@
           <a:p>
             <a:fld id="{9CE38184-9573-4F1B-9952-7BFA6EC347FC}" type="datetimeFigureOut">
               <a:rPr lang="zh-CN" altLang="en-US" smtClean="0"/>
-              <a:t>2017/12/7</a:t>
+              <a:t>2017/12/9</a:t>
             </a:fld>
             <a:endParaRPr lang="zh-CN" altLang="en-US"/>
           </a:p>
@@ -4186,14 +4191,14 @@
           <p:nvPr>
             <p:extLst>
               <p:ext uri="{D42A27DB-BD31-4B8C-83A1-F6EECF244321}">
-                <p14:modId xmlns:p14="http://schemas.microsoft.com/office/powerpoint/2010/main" val="3165488338"/>
+                <p14:modId xmlns:p14="http://schemas.microsoft.com/office/powerpoint/2010/main" val="744716143"/>
               </p:ext>
             </p:extLst>
           </p:nvPr>
         </p:nvGraphicFramePr>
         <p:xfrm>
-          <a:off x="296883" y="1318160"/>
-          <a:ext cx="11578442" cy="4037611"/>
+          <a:off x="296883" y="1268083"/>
+          <a:ext cx="11578442" cy="4321833"/>
         </p:xfrm>
         <a:graphic>
           <a:graphicData uri="http://schemas.openxmlformats.org/drawingml/2006/chart">
@@ -4201,6 +4206,176 @@
           </a:graphicData>
         </a:graphic>
       </p:graphicFrame>
+      <p:sp>
+        <p:nvSpPr>
+          <p:cNvPr id="5" name="文本框 4"/>
+          <p:cNvSpPr txBox="1"/>
+          <p:nvPr/>
+        </p:nvSpPr>
+        <p:spPr>
+          <a:xfrm>
+            <a:off x="4946422" y="5684271"/>
+            <a:ext cx="825867" cy="369332"/>
+          </a:xfrm>
+          <a:prstGeom prst="rect">
+            <a:avLst/>
+          </a:prstGeom>
+          <a:noFill/>
+        </p:spPr>
+        <p:txBody>
+          <a:bodyPr wrap="none" rtlCol="0">
+            <a:spAutoFit/>
+          </a:bodyPr>
+          <a:lstStyle/>
+          <a:p>
+            <a:r>
+              <a:rPr lang="en-US" altLang="zh-CN" dirty="0" smtClean="0">
+                <a:latin typeface="Arial" panose="020B0604020202020204" pitchFamily="34" charset="0"/>
+                <a:cs typeface="Arial" panose="020B0604020202020204" pitchFamily="34" charset="0"/>
+              </a:rPr>
+              <a:t>Linear</a:t>
+            </a:r>
+            <a:endParaRPr lang="zh-CN" altLang="en-US" dirty="0">
+              <a:latin typeface="Arial" panose="020B0604020202020204" pitchFamily="34" charset="0"/>
+              <a:cs typeface="Arial" panose="020B0604020202020204" pitchFamily="34" charset="0"/>
+            </a:endParaRPr>
+          </a:p>
+        </p:txBody>
+      </p:sp>
+      <p:sp>
+        <p:nvSpPr>
+          <p:cNvPr id="7" name="文本框 6"/>
+          <p:cNvSpPr txBox="1"/>
+          <p:nvPr/>
+        </p:nvSpPr>
+        <p:spPr>
+          <a:xfrm>
+            <a:off x="10294048" y="5684271"/>
+            <a:ext cx="1172116" cy="369332"/>
+          </a:xfrm>
+          <a:prstGeom prst="rect">
+            <a:avLst/>
+          </a:prstGeom>
+          <a:noFill/>
+        </p:spPr>
+        <p:txBody>
+          <a:bodyPr wrap="none" rtlCol="0">
+            <a:spAutoFit/>
+          </a:bodyPr>
+          <a:lstStyle/>
+          <a:p>
+            <a:r>
+              <a:rPr lang="en-US" altLang="zh-CN" dirty="0" smtClean="0">
+                <a:latin typeface="Arial" panose="020B0604020202020204" pitchFamily="34" charset="0"/>
+                <a:cs typeface="Arial" panose="020B0604020202020204" pitchFamily="34" charset="0"/>
+              </a:rPr>
+              <a:t>Nonlinear</a:t>
+            </a:r>
+            <a:endParaRPr lang="zh-CN" altLang="en-US" dirty="0">
+              <a:latin typeface="Arial" panose="020B0604020202020204" pitchFamily="34" charset="0"/>
+              <a:cs typeface="Arial" panose="020B0604020202020204" pitchFamily="34" charset="0"/>
+            </a:endParaRPr>
+          </a:p>
+        </p:txBody>
+      </p:sp>
+      <p:sp>
+        <p:nvSpPr>
+          <p:cNvPr id="6" name="左大括号 5"/>
+          <p:cNvSpPr/>
+          <p:nvPr/>
+        </p:nvSpPr>
+        <p:spPr>
+          <a:xfrm rot="16200000">
+            <a:off x="5241521" y="1357586"/>
+            <a:ext cx="235670" cy="8417700"/>
+          </a:xfrm>
+          <a:prstGeom prst="leftBrace">
+            <a:avLst>
+              <a:gd name="adj1" fmla="val 8333"/>
+              <a:gd name="adj2" fmla="val 50298"/>
+            </a:avLst>
+          </a:prstGeom>
+          <a:ln>
+            <a:solidFill>
+              <a:schemeClr val="tx1"/>
+            </a:solidFill>
+          </a:ln>
+        </p:spPr>
+        <p:style>
+          <a:lnRef idx="1">
+            <a:schemeClr val="accent1"/>
+          </a:lnRef>
+          <a:fillRef idx="0">
+            <a:schemeClr val="accent1"/>
+          </a:fillRef>
+          <a:effectRef idx="0">
+            <a:schemeClr val="accent1"/>
+          </a:effectRef>
+          <a:fontRef idx="minor">
+            <a:schemeClr val="tx1"/>
+          </a:fontRef>
+        </p:style>
+        <p:txBody>
+          <a:bodyPr rtlCol="0" anchor="ctr"/>
+          <a:lstStyle/>
+          <a:p>
+            <a:pPr algn="ctr"/>
+            <a:endParaRPr lang="zh-CN" altLang="en-US" dirty="0">
+              <a:latin typeface="Arial" panose="020B0604020202020204" pitchFamily="34" charset="0"/>
+              <a:cs typeface="Arial" panose="020B0604020202020204" pitchFamily="34" charset="0"/>
+            </a:endParaRPr>
+          </a:p>
+        </p:txBody>
+      </p:sp>
+      <p:sp>
+        <p:nvSpPr>
+          <p:cNvPr id="9" name="左大括号 8"/>
+          <p:cNvSpPr/>
+          <p:nvPr/>
+        </p:nvSpPr>
+        <p:spPr>
+          <a:xfrm rot="16200000">
+            <a:off x="10765381" y="4628497"/>
+            <a:ext cx="235670" cy="1875877"/>
+          </a:xfrm>
+          <a:prstGeom prst="leftBrace">
+            <a:avLst>
+              <a:gd name="adj1" fmla="val 8333"/>
+              <a:gd name="adj2" fmla="val 50298"/>
+            </a:avLst>
+          </a:prstGeom>
+          <a:ln>
+            <a:solidFill>
+              <a:schemeClr val="tx1"/>
+            </a:solidFill>
+          </a:ln>
+        </p:spPr>
+        <p:style>
+          <a:lnRef idx="1">
+            <a:schemeClr val="accent1"/>
+          </a:lnRef>
+          <a:fillRef idx="0">
+            <a:schemeClr val="accent1"/>
+          </a:fillRef>
+          <a:effectRef idx="0">
+            <a:schemeClr val="accent1"/>
+          </a:effectRef>
+          <a:fontRef idx="minor">
+            <a:schemeClr val="tx1"/>
+          </a:fontRef>
+        </p:style>
+        <p:txBody>
+          <a:bodyPr rtlCol="0" anchor="ctr"/>
+          <a:lstStyle/>
+          <a:p>
+            <a:pPr algn="ctr"/>
+            <a:endParaRPr lang="zh-CN" altLang="en-US" dirty="0">
+              <a:latin typeface="Arial" panose="020B0604020202020204" pitchFamily="34" charset="0"/>
+              <a:cs typeface="Arial" panose="020B0604020202020204" pitchFamily="34" charset="0"/>
+            </a:endParaRPr>
+          </a:p>
+        </p:txBody>
+      </p:sp>
     </p:spTree>
     <p:extLst>
       <p:ext uri="{BB962C8B-B14F-4D97-AF65-F5344CB8AC3E}">
